--- a/Final/Final-Presentation.pptx
+++ b/Final/Final-Presentation.pptx
@@ -9,7 +9,9 @@
     <p:sldId id="257" r:id="rId3"/>
     <p:sldId id="258" r:id="rId4"/>
     <p:sldId id="259" r:id="rId5"/>
-    <p:sldId id="260" r:id="rId6"/>
+    <p:sldId id="262" r:id="rId6"/>
+    <p:sldId id="260" r:id="rId7"/>
+    <p:sldId id="261" r:id="rId8"/>
   </p:sldIdLst>
   <p:sldSz cx="9144000" cy="6858000" type="screen4x3"/>
   <p:notesSz cx="6858000" cy="9144000"/>
@@ -4061,6 +4063,254 @@
           <a:chExt cx="0" cy="0"/>
         </a:xfrm>
       </p:grpSpPr>
+      <p:sp>
+        <p:nvSpPr>
+          <p:cNvPr id="2" name="Title 1"/>
+          <p:cNvSpPr>
+            <a:spLocks noGrp="1"/>
+          </p:cNvSpPr>
+          <p:nvPr>
+            <p:ph type="title"/>
+          </p:nvPr>
+        </p:nvSpPr>
+        <p:spPr>
+          <a:xfrm>
+            <a:off x="609600" y="274638"/>
+            <a:ext cx="7924800" cy="814023"/>
+          </a:xfrm>
+        </p:spPr>
+        <p:txBody>
+          <a:bodyPr/>
+          <a:lstStyle/>
+          <a:p>
+            <a:pPr algn="ctr"/>
+            <a:r>
+              <a:rPr lang="en-US" dirty="0" smtClean="0">
+                <a:solidFill>
+                  <a:srgbClr val="FF0000"/>
+                </a:solidFill>
+              </a:rPr>
+              <a:t>Introducing </a:t>
+            </a:r>
+            <a:r>
+              <a:rPr lang="en-US" dirty="0" err="1" smtClean="0">
+                <a:solidFill>
+                  <a:srgbClr val="FF0000"/>
+                </a:solidFill>
+              </a:rPr>
+              <a:t>Opencv</a:t>
+            </a:r>
+            <a:endParaRPr lang="en-US" dirty="0">
+              <a:solidFill>
+                <a:srgbClr val="FF0000"/>
+              </a:solidFill>
+            </a:endParaRPr>
+          </a:p>
+        </p:txBody>
+      </p:sp>
+      <p:sp>
+        <p:nvSpPr>
+          <p:cNvPr id="3" name="Content Placeholder 2"/>
+          <p:cNvSpPr>
+            <a:spLocks noGrp="1"/>
+          </p:cNvSpPr>
+          <p:nvPr>
+            <p:ph sz="quarter" idx="13"/>
+          </p:nvPr>
+        </p:nvSpPr>
+        <p:spPr/>
+        <p:txBody>
+          <a:bodyPr>
+            <a:normAutofit fontScale="92500" lnSpcReduction="10000"/>
+          </a:bodyPr>
+          <a:lstStyle/>
+          <a:p>
+            <a:r>
+              <a:rPr lang="en-US" sz="2000" dirty="0" err="1" smtClean="0"/>
+              <a:t>OpenCV</a:t>
+            </a:r>
+            <a:r>
+              <a:rPr lang="en-US" sz="2000" dirty="0" smtClean="0"/>
+              <a:t> ( Open Computer Vision ) is a library of programming functions mainly aimed at real-time computer vision developed by Intel Russia research center in Nizhny Novgorod.</a:t>
+            </a:r>
+          </a:p>
+          <a:p>
+            <a:r>
+              <a:rPr lang="en-US" sz="2000" dirty="0" smtClean="0"/>
+              <a:t>Officially launched in 1999, the </a:t>
+            </a:r>
+            <a:r>
+              <a:rPr lang="en-US" sz="2000" dirty="0" err="1" smtClean="0"/>
+              <a:t>OpenCV</a:t>
+            </a:r>
+            <a:r>
+              <a:rPr lang="en-US" sz="2000" dirty="0" smtClean="0"/>
+              <a:t> project was initially and Intel Research initiative to advance CPU-intensive applications.</a:t>
+            </a:r>
+          </a:p>
+          <a:p>
+            <a:r>
+              <a:rPr lang="en-US" sz="2000" dirty="0" smtClean="0"/>
+              <a:t>The first alpha version of </a:t>
+            </a:r>
+            <a:r>
+              <a:rPr lang="en-US" sz="2000" dirty="0" err="1" smtClean="0"/>
+              <a:t>OpenCV</a:t>
+            </a:r>
+            <a:r>
+              <a:rPr lang="en-US" sz="2000" dirty="0" smtClean="0"/>
+              <a:t> was released in the public at the </a:t>
+            </a:r>
+            <a:r>
+              <a:rPr lang="en-US" sz="2000" dirty="0" smtClean="0">
+                <a:solidFill>
+                  <a:srgbClr val="CCFFCC"/>
+                </a:solidFill>
+              </a:rPr>
+              <a:t>IEEE Conference on Computer Vision and Pattern Recognition in 2000</a:t>
+            </a:r>
+            <a:r>
+              <a:rPr lang="en-US" sz="2000" dirty="0" smtClean="0"/>
+              <a:t>.</a:t>
+            </a:r>
+          </a:p>
+          <a:p>
+            <a:r>
+              <a:rPr lang="en-US" sz="2000" dirty="0" smtClean="0"/>
+              <a:t>The second major release of </a:t>
+            </a:r>
+            <a:r>
+              <a:rPr lang="en-US" sz="2000" dirty="0" smtClean="0">
+                <a:solidFill>
+                  <a:srgbClr val="CCFFCC"/>
+                </a:solidFill>
+              </a:rPr>
+              <a:t>the </a:t>
+            </a:r>
+            <a:r>
+              <a:rPr lang="en-US" sz="2000" dirty="0" err="1" smtClean="0">
+                <a:solidFill>
+                  <a:srgbClr val="CCFFCC"/>
+                </a:solidFill>
+              </a:rPr>
+              <a:t>OpenCV</a:t>
+            </a:r>
+            <a:r>
+              <a:rPr lang="en-US" sz="2000" dirty="0" smtClean="0">
+                <a:solidFill>
+                  <a:srgbClr val="CCFFCC"/>
+                </a:solidFill>
+              </a:rPr>
+              <a:t> was on </a:t>
+            </a:r>
+            <a:r>
+              <a:rPr lang="en-US" sz="2000" dirty="0" err="1" smtClean="0">
+                <a:solidFill>
+                  <a:srgbClr val="CCFFCC"/>
+                </a:solidFill>
+              </a:rPr>
+              <a:t>Obtober</a:t>
+            </a:r>
+            <a:r>
+              <a:rPr lang="en-US" sz="2000" dirty="0" smtClean="0">
+                <a:solidFill>
+                  <a:srgbClr val="CCFFCC"/>
+                </a:solidFill>
+              </a:rPr>
+              <a:t> 2009</a:t>
+            </a:r>
+            <a:r>
+              <a:rPr lang="en-US" sz="2000" dirty="0" smtClean="0"/>
+              <a:t>. </a:t>
+            </a:r>
+          </a:p>
+          <a:p>
+            <a:r>
+              <a:rPr lang="en-US" sz="2000" dirty="0" smtClean="0"/>
+              <a:t>OpenCV2 includes major changes to the C++ interface, aiming towards easier and safer patterns.</a:t>
+            </a:r>
+          </a:p>
+          <a:p>
+            <a:r>
+              <a:rPr lang="en-US" sz="2000" dirty="0" smtClean="0"/>
+              <a:t>In </a:t>
+            </a:r>
+            <a:r>
+              <a:rPr lang="en-US" sz="2000" dirty="0" smtClean="0">
+                <a:solidFill>
+                  <a:srgbClr val="CCFFCC"/>
+                </a:solidFill>
+              </a:rPr>
+              <a:t>August 2012</a:t>
+            </a:r>
+            <a:r>
+              <a:rPr lang="en-US" sz="2000" dirty="0" smtClean="0"/>
+              <a:t>, support for </a:t>
+            </a:r>
+            <a:r>
+              <a:rPr lang="en-US" sz="2000" dirty="0" err="1" smtClean="0"/>
+              <a:t>OpenCV</a:t>
+            </a:r>
+            <a:r>
+              <a:rPr lang="en-US" sz="2000" dirty="0" smtClean="0"/>
+              <a:t> was taken by non-profit foundation, </a:t>
+            </a:r>
+            <a:r>
+              <a:rPr lang="en-US" sz="2000" dirty="0" err="1" smtClean="0"/>
+              <a:t>OpenCV.org</a:t>
+            </a:r>
+            <a:endParaRPr lang="en-US" sz="2000" dirty="0" smtClean="0"/>
+          </a:p>
+          <a:p>
+            <a:endParaRPr lang="en-US" dirty="0" smtClean="0"/>
+          </a:p>
+          <a:p>
+            <a:endParaRPr lang="en-US" dirty="0"/>
+          </a:p>
+          <a:p>
+            <a:endParaRPr lang="en-US" dirty="0" smtClean="0"/>
+          </a:p>
+          <a:p>
+            <a:endParaRPr lang="en-US" dirty="0" smtClean="0"/>
+          </a:p>
+          <a:p>
+            <a:pPr marL="0" indent="0">
+              <a:buNone/>
+            </a:pPr>
+            <a:endParaRPr lang="en-US" dirty="0"/>
+          </a:p>
+        </p:txBody>
+      </p:sp>
+    </p:spTree>
+    <p:extLst>
+      <p:ext uri="{BB962C8B-B14F-4D97-AF65-F5344CB8AC3E}">
+        <p14:creationId xmlns:p14="http://schemas.microsoft.com/office/powerpoint/2010/main" val="3178428902"/>
+      </p:ext>
+    </p:extLst>
+  </p:cSld>
+  <p:clrMapOvr>
+    <a:masterClrMapping/>
+  </p:clrMapOvr>
+</p:sld>
+</file>
+
+<file path=ppt/slides/slide6.xml><?xml version="1.0" encoding="utf-8"?>
+<p:sld xmlns:a="http://schemas.openxmlformats.org/drawingml/2006/main" xmlns:r="http://schemas.openxmlformats.org/officeDocument/2006/relationships" xmlns:p="http://schemas.openxmlformats.org/presentationml/2006/main">
+  <p:cSld>
+    <p:spTree>
+      <p:nvGrpSpPr>
+        <p:cNvPr id="1" name=""/>
+        <p:cNvGrpSpPr/>
+        <p:nvPr/>
+      </p:nvGrpSpPr>
+      <p:grpSpPr>
+        <a:xfrm>
+          <a:off x="0" y="0"/>
+          <a:ext cx="0" cy="0"/>
+          <a:chOff x="0" y="0"/>
+          <a:chExt cx="0" cy="0"/>
+        </a:xfrm>
+      </p:grpSpPr>
       <p:pic>
         <p:nvPicPr>
           <p:cNvPr id="3" name="Picture 2" descr="Screen Shot 2014-08-05 at 5.37.06 PM.png"/>
@@ -4189,7 +4439,15 @@
                   <a:srgbClr val="FF0000"/>
                 </a:solidFill>
               </a:rPr>
-              <a:t>Face detection using IVS</a:t>
+              <a:t>Face detection using </a:t>
+            </a:r>
+            <a:r>
+              <a:rPr lang="en-US" dirty="0" err="1" smtClean="0">
+                <a:solidFill>
+                  <a:srgbClr val="FF0000"/>
+                </a:solidFill>
+              </a:rPr>
+              <a:t>opencv</a:t>
             </a:r>
             <a:endParaRPr lang="en-US" dirty="0">
               <a:solidFill>
@@ -4203,6 +4461,190 @@
     <p:extLst>
       <p:ext uri="{BB962C8B-B14F-4D97-AF65-F5344CB8AC3E}">
         <p14:creationId xmlns:p14="http://schemas.microsoft.com/office/powerpoint/2010/main" val="841727210"/>
+      </p:ext>
+    </p:extLst>
+  </p:cSld>
+  <p:clrMapOvr>
+    <a:masterClrMapping/>
+  </p:clrMapOvr>
+</p:sld>
+</file>
+
+<file path=ppt/slides/slide7.xml><?xml version="1.0" encoding="utf-8"?>
+<p:sld xmlns:a="http://schemas.openxmlformats.org/drawingml/2006/main" xmlns:r="http://schemas.openxmlformats.org/officeDocument/2006/relationships" xmlns:p="http://schemas.openxmlformats.org/presentationml/2006/main">
+  <p:cSld>
+    <p:spTree>
+      <p:nvGrpSpPr>
+        <p:cNvPr id="1" name=""/>
+        <p:cNvGrpSpPr/>
+        <p:nvPr/>
+      </p:nvGrpSpPr>
+      <p:grpSpPr>
+        <a:xfrm>
+          <a:off x="0" y="0"/>
+          <a:ext cx="0" cy="0"/>
+          <a:chOff x="0" y="0"/>
+          <a:chExt cx="0" cy="0"/>
+        </a:xfrm>
+      </p:grpSpPr>
+      <p:sp>
+        <p:nvSpPr>
+          <p:cNvPr id="2" name="Title 1"/>
+          <p:cNvSpPr>
+            <a:spLocks noGrp="1"/>
+          </p:cNvSpPr>
+          <p:nvPr>
+            <p:ph type="title"/>
+          </p:nvPr>
+        </p:nvSpPr>
+        <p:spPr/>
+        <p:txBody>
+          <a:bodyPr/>
+          <a:lstStyle/>
+          <a:p>
+            <a:r>
+              <a:rPr lang="en-US" dirty="0" smtClean="0">
+                <a:solidFill>
+                  <a:srgbClr val="FF0000"/>
+                </a:solidFill>
+              </a:rPr>
+              <a:t>references</a:t>
+            </a:r>
+            <a:endParaRPr lang="en-US" dirty="0">
+              <a:solidFill>
+                <a:srgbClr val="FF0000"/>
+              </a:solidFill>
+            </a:endParaRPr>
+          </a:p>
+        </p:txBody>
+      </p:sp>
+      <p:sp>
+        <p:nvSpPr>
+          <p:cNvPr id="3" name="Content Placeholder 2"/>
+          <p:cNvSpPr>
+            <a:spLocks noGrp="1"/>
+          </p:cNvSpPr>
+          <p:nvPr>
+            <p:ph sz="quarter" idx="13"/>
+          </p:nvPr>
+        </p:nvSpPr>
+        <p:spPr/>
+        <p:txBody>
+          <a:bodyPr/>
+          <a:lstStyle/>
+          <a:p>
+            <a:endParaRPr lang="en-US" dirty="0" smtClean="0"/>
+          </a:p>
+          <a:p>
+            <a:pPr>
+              <a:buFont typeface="+mj-lt"/>
+              <a:buAutoNum type="arabicPeriod"/>
+            </a:pPr>
+            <a:r>
+              <a:rPr lang="en-US" sz="2400" dirty="0" err="1" smtClean="0"/>
+              <a:t>OpenCV</a:t>
+            </a:r>
+            <a:r>
+              <a:rPr lang="en-US" sz="2400" dirty="0" smtClean="0"/>
+              <a:t> – </a:t>
+            </a:r>
+            <a:r>
+              <a:rPr lang="en-US" sz="2400" dirty="0" err="1" smtClean="0"/>
+              <a:t>www.opencv.org</a:t>
+            </a:r>
+            <a:endParaRPr lang="en-US" sz="2400" dirty="0" smtClean="0"/>
+          </a:p>
+          <a:p>
+            <a:pPr>
+              <a:buFont typeface="+mj-lt"/>
+              <a:buAutoNum type="arabicPeriod"/>
+            </a:pPr>
+            <a:r>
+              <a:rPr lang="en-US" sz="2400" dirty="0" err="1" smtClean="0"/>
+              <a:t>OpenCV</a:t>
+            </a:r>
+            <a:r>
+              <a:rPr lang="en-US" sz="2400" dirty="0" smtClean="0"/>
+              <a:t> – Wikipedia, </a:t>
+            </a:r>
+            <a:r>
+              <a:rPr lang="en-US" sz="2400" dirty="0" err="1" smtClean="0"/>
+              <a:t>en.wikipedia.org</a:t>
+            </a:r>
+            <a:r>
+              <a:rPr lang="en-US" sz="2400" dirty="0" smtClean="0"/>
+              <a:t>/wiki/</a:t>
+            </a:r>
+            <a:r>
+              <a:rPr lang="en-US" sz="2400" dirty="0" err="1" smtClean="0"/>
+              <a:t>OpenCV</a:t>
+            </a:r>
+            <a:endParaRPr lang="en-US" sz="2400" dirty="0" smtClean="0"/>
+          </a:p>
+          <a:p>
+            <a:pPr>
+              <a:buFont typeface="+mj-lt"/>
+              <a:buAutoNum type="arabicPeriod"/>
+            </a:pPr>
+            <a:r>
+              <a:rPr lang="en-US" sz="2400" dirty="0" smtClean="0"/>
+              <a:t>Open Biometrics – </a:t>
+            </a:r>
+            <a:r>
+              <a:rPr lang="en-US" sz="2400" dirty="0" err="1" smtClean="0"/>
+              <a:t>www.openbiometrics.org</a:t>
+            </a:r>
+            <a:endParaRPr lang="en-US" sz="2400" dirty="0" smtClean="0"/>
+          </a:p>
+          <a:p>
+            <a:pPr>
+              <a:buFont typeface="+mj-lt"/>
+              <a:buAutoNum type="arabicPeriod"/>
+            </a:pPr>
+            <a:r>
+              <a:rPr lang="en-US" sz="2400" dirty="0" err="1" smtClean="0"/>
+              <a:t>Libface</a:t>
+            </a:r>
+            <a:r>
+              <a:rPr lang="en-US" sz="2400" dirty="0"/>
+              <a:t> </a:t>
+            </a:r>
+            <a:r>
+              <a:rPr lang="en-US" sz="2400" dirty="0" smtClean="0"/>
+              <a:t>– </a:t>
+            </a:r>
+            <a:r>
+              <a:rPr lang="en-US" sz="2400" dirty="0" err="1" smtClean="0"/>
+              <a:t>libeface.sourceforge.net</a:t>
+            </a:r>
+            <a:endParaRPr lang="en-US" sz="2400" dirty="0" smtClean="0"/>
+          </a:p>
+          <a:p>
+            <a:pPr>
+              <a:buFont typeface="+mj-lt"/>
+              <a:buAutoNum type="arabicPeriod"/>
+            </a:pPr>
+            <a:endParaRPr lang="en-US" sz="2400" dirty="0" smtClean="0"/>
+          </a:p>
+          <a:p>
+            <a:pPr>
+              <a:buFont typeface="+mj-lt"/>
+              <a:buAutoNum type="arabicPeriod"/>
+            </a:pPr>
+            <a:endParaRPr lang="en-US" dirty="0"/>
+          </a:p>
+          <a:p>
+            <a:pPr marL="0" indent="0">
+              <a:buNone/>
+            </a:pPr>
+            <a:endParaRPr lang="en-US" dirty="0"/>
+          </a:p>
+        </p:txBody>
+      </p:sp>
+    </p:spTree>
+    <p:extLst>
+      <p:ext uri="{BB962C8B-B14F-4D97-AF65-F5344CB8AC3E}">
+        <p14:creationId xmlns:p14="http://schemas.microsoft.com/office/powerpoint/2010/main" val="4077439368"/>
       </p:ext>
     </p:extLst>
   </p:cSld>

--- a/Final/Final-Presentation.pptx
+++ b/Final/Final-Presentation.pptx
@@ -4,14 +4,18 @@
   <p:sldMasterIdLst>
     <p:sldMasterId id="2147484728" r:id="rId1"/>
   </p:sldMasterIdLst>
+  <p:notesMasterIdLst>
+    <p:notesMasterId r:id="rId10"/>
+  </p:notesMasterIdLst>
   <p:sldIdLst>
     <p:sldId id="256" r:id="rId2"/>
     <p:sldId id="257" r:id="rId3"/>
     <p:sldId id="258" r:id="rId4"/>
     <p:sldId id="259" r:id="rId5"/>
     <p:sldId id="262" r:id="rId6"/>
-    <p:sldId id="260" r:id="rId7"/>
-    <p:sldId id="261" r:id="rId8"/>
+    <p:sldId id="263" r:id="rId7"/>
+    <p:sldId id="260" r:id="rId8"/>
+    <p:sldId id="261" r:id="rId9"/>
   </p:sldIdLst>
   <p:sldSz cx="9144000" cy="6858000" type="screen4x3"/>
   <p:notesSz cx="6858000" cy="9144000"/>
@@ -111,6 +115,479 @@
     </a:lvl9pPr>
   </p:defaultTextStyle>
 </p:presentation>
+</file>
+
+<file path=ppt/notesMasters/notesMaster1.xml><?xml version="1.0" encoding="utf-8"?>
+<p:notesMaster xmlns:a="http://schemas.openxmlformats.org/drawingml/2006/main" xmlns:r="http://schemas.openxmlformats.org/officeDocument/2006/relationships" xmlns:p="http://schemas.openxmlformats.org/presentationml/2006/main">
+  <p:cSld>
+    <p:bg>
+      <p:bgRef idx="1001">
+        <a:schemeClr val="bg1"/>
+      </p:bgRef>
+    </p:bg>
+    <p:spTree>
+      <p:nvGrpSpPr>
+        <p:cNvPr id="1" name=""/>
+        <p:cNvGrpSpPr/>
+        <p:nvPr/>
+      </p:nvGrpSpPr>
+      <p:grpSpPr>
+        <a:xfrm>
+          <a:off x="0" y="0"/>
+          <a:ext cx="0" cy="0"/>
+          <a:chOff x="0" y="0"/>
+          <a:chExt cx="0" cy="0"/>
+        </a:xfrm>
+      </p:grpSpPr>
+      <p:sp>
+        <p:nvSpPr>
+          <p:cNvPr id="2" name="Header Placeholder 1"/>
+          <p:cNvSpPr>
+            <a:spLocks noGrp="1"/>
+          </p:cNvSpPr>
+          <p:nvPr>
+            <p:ph type="hdr" sz="quarter"/>
+          </p:nvPr>
+        </p:nvSpPr>
+        <p:spPr>
+          <a:xfrm>
+            <a:off x="0" y="0"/>
+            <a:ext cx="2971800" cy="457200"/>
+          </a:xfrm>
+          <a:prstGeom prst="rect">
+            <a:avLst/>
+          </a:prstGeom>
+        </p:spPr>
+        <p:txBody>
+          <a:bodyPr vert="horz" lIns="91440" tIns="45720" rIns="91440" bIns="45720" rtlCol="0"/>
+          <a:lstStyle>
+            <a:lvl1pPr algn="l">
+              <a:defRPr sz="1200"/>
+            </a:lvl1pPr>
+          </a:lstStyle>
+          <a:p>
+            <a:endParaRPr lang="en-US"/>
+          </a:p>
+        </p:txBody>
+      </p:sp>
+      <p:sp>
+        <p:nvSpPr>
+          <p:cNvPr id="3" name="Date Placeholder 2"/>
+          <p:cNvSpPr>
+            <a:spLocks noGrp="1"/>
+          </p:cNvSpPr>
+          <p:nvPr>
+            <p:ph type="dt" idx="1"/>
+          </p:nvPr>
+        </p:nvSpPr>
+        <p:spPr>
+          <a:xfrm>
+            <a:off x="3884613" y="0"/>
+            <a:ext cx="2971800" cy="457200"/>
+          </a:xfrm>
+          <a:prstGeom prst="rect">
+            <a:avLst/>
+          </a:prstGeom>
+        </p:spPr>
+        <p:txBody>
+          <a:bodyPr vert="horz" lIns="91440" tIns="45720" rIns="91440" bIns="45720" rtlCol="0"/>
+          <a:lstStyle>
+            <a:lvl1pPr algn="r">
+              <a:defRPr sz="1200"/>
+            </a:lvl1pPr>
+          </a:lstStyle>
+          <a:p>
+            <a:fld id="{B8F0E27D-DB73-6745-B9CF-735FD4063C91}" type="datetimeFigureOut">
+              <a:rPr lang="en-US" smtClean="0"/>
+              <a:t>8/5/14</a:t>
+            </a:fld>
+            <a:endParaRPr lang="en-US"/>
+          </a:p>
+        </p:txBody>
+      </p:sp>
+      <p:sp>
+        <p:nvSpPr>
+          <p:cNvPr id="4" name="Slide Image Placeholder 3"/>
+          <p:cNvSpPr>
+            <a:spLocks noGrp="1" noRot="1" noChangeAspect="1"/>
+          </p:cNvSpPr>
+          <p:nvPr>
+            <p:ph type="sldImg" idx="2"/>
+          </p:nvPr>
+        </p:nvSpPr>
+        <p:spPr>
+          <a:xfrm>
+            <a:off x="1143000" y="685800"/>
+            <a:ext cx="4572000" cy="3429000"/>
+          </a:xfrm>
+          <a:prstGeom prst="rect">
+            <a:avLst/>
+          </a:prstGeom>
+          <a:noFill/>
+          <a:ln w="12700">
+            <a:solidFill>
+              <a:prstClr val="black"/>
+            </a:solidFill>
+          </a:ln>
+        </p:spPr>
+        <p:txBody>
+          <a:bodyPr vert="horz" lIns="91440" tIns="45720" rIns="91440" bIns="45720" rtlCol="0" anchor="ctr"/>
+          <a:lstStyle/>
+          <a:p>
+            <a:endParaRPr lang="en-US"/>
+          </a:p>
+        </p:txBody>
+      </p:sp>
+      <p:sp>
+        <p:nvSpPr>
+          <p:cNvPr id="5" name="Notes Placeholder 4"/>
+          <p:cNvSpPr>
+            <a:spLocks noGrp="1"/>
+          </p:cNvSpPr>
+          <p:nvPr>
+            <p:ph type="body" sz="quarter" idx="3"/>
+          </p:nvPr>
+        </p:nvSpPr>
+        <p:spPr>
+          <a:xfrm>
+            <a:off x="685800" y="4343400"/>
+            <a:ext cx="5486400" cy="4114800"/>
+          </a:xfrm>
+          <a:prstGeom prst="rect">
+            <a:avLst/>
+          </a:prstGeom>
+        </p:spPr>
+        <p:txBody>
+          <a:bodyPr vert="horz" lIns="91440" tIns="45720" rIns="91440" bIns="45720" rtlCol="0"/>
+          <a:lstStyle/>
+          <a:p>
+            <a:pPr lvl="0"/>
+            <a:r>
+              <a:rPr lang="en-US" smtClean="0"/>
+              <a:t>Click to edit Master text styles</a:t>
+            </a:r>
+          </a:p>
+          <a:p>
+            <a:pPr lvl="1"/>
+            <a:r>
+              <a:rPr lang="en-US" smtClean="0"/>
+              <a:t>Second level</a:t>
+            </a:r>
+          </a:p>
+          <a:p>
+            <a:pPr lvl="2"/>
+            <a:r>
+              <a:rPr lang="en-US" smtClean="0"/>
+              <a:t>Third level</a:t>
+            </a:r>
+          </a:p>
+          <a:p>
+            <a:pPr lvl="3"/>
+            <a:r>
+              <a:rPr lang="en-US" smtClean="0"/>
+              <a:t>Fourth level</a:t>
+            </a:r>
+          </a:p>
+          <a:p>
+            <a:pPr lvl="4"/>
+            <a:r>
+              <a:rPr lang="en-US" smtClean="0"/>
+              <a:t>Fifth level</a:t>
+            </a:r>
+            <a:endParaRPr lang="en-US"/>
+          </a:p>
+        </p:txBody>
+      </p:sp>
+      <p:sp>
+        <p:nvSpPr>
+          <p:cNvPr id="6" name="Footer Placeholder 5"/>
+          <p:cNvSpPr>
+            <a:spLocks noGrp="1"/>
+          </p:cNvSpPr>
+          <p:nvPr>
+            <p:ph type="ftr" sz="quarter" idx="4"/>
+          </p:nvPr>
+        </p:nvSpPr>
+        <p:spPr>
+          <a:xfrm>
+            <a:off x="0" y="8685213"/>
+            <a:ext cx="2971800" cy="457200"/>
+          </a:xfrm>
+          <a:prstGeom prst="rect">
+            <a:avLst/>
+          </a:prstGeom>
+        </p:spPr>
+        <p:txBody>
+          <a:bodyPr vert="horz" lIns="91440" tIns="45720" rIns="91440" bIns="45720" rtlCol="0" anchor="b"/>
+          <a:lstStyle>
+            <a:lvl1pPr algn="l">
+              <a:defRPr sz="1200"/>
+            </a:lvl1pPr>
+          </a:lstStyle>
+          <a:p>
+            <a:endParaRPr lang="en-US"/>
+          </a:p>
+        </p:txBody>
+      </p:sp>
+      <p:sp>
+        <p:nvSpPr>
+          <p:cNvPr id="7" name="Slide Number Placeholder 6"/>
+          <p:cNvSpPr>
+            <a:spLocks noGrp="1"/>
+          </p:cNvSpPr>
+          <p:nvPr>
+            <p:ph type="sldNum" sz="quarter" idx="5"/>
+          </p:nvPr>
+        </p:nvSpPr>
+        <p:spPr>
+          <a:xfrm>
+            <a:off x="3884613" y="8685213"/>
+            <a:ext cx="2971800" cy="457200"/>
+          </a:xfrm>
+          <a:prstGeom prst="rect">
+            <a:avLst/>
+          </a:prstGeom>
+        </p:spPr>
+        <p:txBody>
+          <a:bodyPr vert="horz" lIns="91440" tIns="45720" rIns="91440" bIns="45720" rtlCol="0" anchor="b"/>
+          <a:lstStyle>
+            <a:lvl1pPr algn="r">
+              <a:defRPr sz="1200"/>
+            </a:lvl1pPr>
+          </a:lstStyle>
+          <a:p>
+            <a:fld id="{64230B45-3CF3-4B46-9A93-25FE686B2A5E}" type="slidenum">
+              <a:rPr lang="en-US" smtClean="0"/>
+              <a:t>‹#›</a:t>
+            </a:fld>
+            <a:endParaRPr lang="en-US"/>
+          </a:p>
+        </p:txBody>
+      </p:sp>
+    </p:spTree>
+    <p:extLst>
+      <p:ext uri="{BB962C8B-B14F-4D97-AF65-F5344CB8AC3E}">
+        <p14:creationId xmlns:p14="http://schemas.microsoft.com/office/powerpoint/2010/main" val="3454425316"/>
+      </p:ext>
+    </p:extLst>
+  </p:cSld>
+  <p:clrMap bg1="lt1" tx1="dk1" bg2="lt2" tx2="dk2" accent1="accent1" accent2="accent2" accent3="accent3" accent4="accent4" accent5="accent5" accent6="accent6" hlink="hlink" folHlink="folHlink"/>
+  <p:notesStyle>
+    <a:lvl1pPr marL="0" algn="l" defTabSz="457200" rtl="0" eaLnBrk="1" latinLnBrk="0" hangingPunct="1">
+      <a:defRPr sz="1200" kern="1200">
+        <a:solidFill>
+          <a:schemeClr val="tx1"/>
+        </a:solidFill>
+        <a:latin typeface="+mn-lt"/>
+        <a:ea typeface="+mn-ea"/>
+        <a:cs typeface="+mn-cs"/>
+      </a:defRPr>
+    </a:lvl1pPr>
+    <a:lvl2pPr marL="457200" algn="l" defTabSz="457200" rtl="0" eaLnBrk="1" latinLnBrk="0" hangingPunct="1">
+      <a:defRPr sz="1200" kern="1200">
+        <a:solidFill>
+          <a:schemeClr val="tx1"/>
+        </a:solidFill>
+        <a:latin typeface="+mn-lt"/>
+        <a:ea typeface="+mn-ea"/>
+        <a:cs typeface="+mn-cs"/>
+      </a:defRPr>
+    </a:lvl2pPr>
+    <a:lvl3pPr marL="914400" algn="l" defTabSz="457200" rtl="0" eaLnBrk="1" latinLnBrk="0" hangingPunct="1">
+      <a:defRPr sz="1200" kern="1200">
+        <a:solidFill>
+          <a:schemeClr val="tx1"/>
+        </a:solidFill>
+        <a:latin typeface="+mn-lt"/>
+        <a:ea typeface="+mn-ea"/>
+        <a:cs typeface="+mn-cs"/>
+      </a:defRPr>
+    </a:lvl3pPr>
+    <a:lvl4pPr marL="1371600" algn="l" defTabSz="457200" rtl="0" eaLnBrk="1" latinLnBrk="0" hangingPunct="1">
+      <a:defRPr sz="1200" kern="1200">
+        <a:solidFill>
+          <a:schemeClr val="tx1"/>
+        </a:solidFill>
+        <a:latin typeface="+mn-lt"/>
+        <a:ea typeface="+mn-ea"/>
+        <a:cs typeface="+mn-cs"/>
+      </a:defRPr>
+    </a:lvl4pPr>
+    <a:lvl5pPr marL="1828800" algn="l" defTabSz="457200" rtl="0" eaLnBrk="1" latinLnBrk="0" hangingPunct="1">
+      <a:defRPr sz="1200" kern="1200">
+        <a:solidFill>
+          <a:schemeClr val="tx1"/>
+        </a:solidFill>
+        <a:latin typeface="+mn-lt"/>
+        <a:ea typeface="+mn-ea"/>
+        <a:cs typeface="+mn-cs"/>
+      </a:defRPr>
+    </a:lvl5pPr>
+    <a:lvl6pPr marL="2286000" algn="l" defTabSz="457200" rtl="0" eaLnBrk="1" latinLnBrk="0" hangingPunct="1">
+      <a:defRPr sz="1200" kern="1200">
+        <a:solidFill>
+          <a:schemeClr val="tx1"/>
+        </a:solidFill>
+        <a:latin typeface="+mn-lt"/>
+        <a:ea typeface="+mn-ea"/>
+        <a:cs typeface="+mn-cs"/>
+      </a:defRPr>
+    </a:lvl6pPr>
+    <a:lvl7pPr marL="2743200" algn="l" defTabSz="457200" rtl="0" eaLnBrk="1" latinLnBrk="0" hangingPunct="1">
+      <a:defRPr sz="1200" kern="1200">
+        <a:solidFill>
+          <a:schemeClr val="tx1"/>
+        </a:solidFill>
+        <a:latin typeface="+mn-lt"/>
+        <a:ea typeface="+mn-ea"/>
+        <a:cs typeface="+mn-cs"/>
+      </a:defRPr>
+    </a:lvl7pPr>
+    <a:lvl8pPr marL="3200400" algn="l" defTabSz="457200" rtl="0" eaLnBrk="1" latinLnBrk="0" hangingPunct="1">
+      <a:defRPr sz="1200" kern="1200">
+        <a:solidFill>
+          <a:schemeClr val="tx1"/>
+        </a:solidFill>
+        <a:latin typeface="+mn-lt"/>
+        <a:ea typeface="+mn-ea"/>
+        <a:cs typeface="+mn-cs"/>
+      </a:defRPr>
+    </a:lvl8pPr>
+    <a:lvl9pPr marL="3657600" algn="l" defTabSz="457200" rtl="0" eaLnBrk="1" latinLnBrk="0" hangingPunct="1">
+      <a:defRPr sz="1200" kern="1200">
+        <a:solidFill>
+          <a:schemeClr val="tx1"/>
+        </a:solidFill>
+        <a:latin typeface="+mn-lt"/>
+        <a:ea typeface="+mn-ea"/>
+        <a:cs typeface="+mn-cs"/>
+      </a:defRPr>
+    </a:lvl9pPr>
+  </p:notesStyle>
+</p:notesMaster>
+</file>
+
+<file path=ppt/notesSlides/notesSlide1.xml><?xml version="1.0" encoding="utf-8"?>
+<p:notes xmlns:a="http://schemas.openxmlformats.org/drawingml/2006/main" xmlns:r="http://schemas.openxmlformats.org/officeDocument/2006/relationships" xmlns:p="http://schemas.openxmlformats.org/presentationml/2006/main">
+  <p:cSld>
+    <p:spTree>
+      <p:nvGrpSpPr>
+        <p:cNvPr id="1" name=""/>
+        <p:cNvGrpSpPr/>
+        <p:nvPr/>
+      </p:nvGrpSpPr>
+      <p:grpSpPr>
+        <a:xfrm>
+          <a:off x="0" y="0"/>
+          <a:ext cx="0" cy="0"/>
+          <a:chOff x="0" y="0"/>
+          <a:chExt cx="0" cy="0"/>
+        </a:xfrm>
+      </p:grpSpPr>
+      <p:sp>
+        <p:nvSpPr>
+          <p:cNvPr id="2" name="Slide Image Placeholder 1"/>
+          <p:cNvSpPr>
+            <a:spLocks noGrp="1" noRot="1" noChangeAspect="1"/>
+          </p:cNvSpPr>
+          <p:nvPr>
+            <p:ph type="sldImg"/>
+          </p:nvPr>
+        </p:nvSpPr>
+        <p:spPr/>
+      </p:sp>
+      <p:sp>
+        <p:nvSpPr>
+          <p:cNvPr id="3" name="Notes Placeholder 2"/>
+          <p:cNvSpPr>
+            <a:spLocks noGrp="1"/>
+          </p:cNvSpPr>
+          <p:nvPr>
+            <p:ph type="body" idx="1"/>
+          </p:nvPr>
+        </p:nvSpPr>
+        <p:spPr/>
+        <p:txBody>
+          <a:bodyPr/>
+          <a:lstStyle/>
+          <a:p>
+            <a:r>
+              <a:rPr lang="en-US" sz="1800" b="1" dirty="0" err="1" smtClean="0"/>
+              <a:t>Egomotion</a:t>
+            </a:r>
+            <a:r>
+              <a:rPr lang="en-US" sz="1800" dirty="0" smtClean="0"/>
+              <a:t> is</a:t>
+            </a:r>
+            <a:r>
+              <a:rPr lang="en-US" sz="1800" baseline="0" dirty="0" smtClean="0"/>
+              <a:t> defined as the 3D motion of a camera within and environment. In the field of computer vision, </a:t>
+            </a:r>
+            <a:r>
+              <a:rPr lang="en-US" sz="1800" baseline="0" dirty="0" err="1" smtClean="0"/>
+              <a:t>egomotion</a:t>
+            </a:r>
+            <a:r>
+              <a:rPr lang="en-US" sz="1800" baseline="0" dirty="0" smtClean="0"/>
+              <a:t> refers to estimating a camera’s motion relative to a rigid scene. For example of </a:t>
+            </a:r>
+            <a:r>
+              <a:rPr lang="en-US" sz="1800" baseline="0" dirty="0" err="1" smtClean="0"/>
+              <a:t>egomotion</a:t>
+            </a:r>
+            <a:r>
+              <a:rPr lang="en-US" sz="1800" baseline="0" dirty="0" smtClean="0"/>
+              <a:t> would be estimating a car’s moving position relative to lines on the road or street signs being observed from the car itself.</a:t>
+            </a:r>
+          </a:p>
+          <a:p>
+            <a:endParaRPr lang="en-US" sz="1600" baseline="0" dirty="0" smtClean="0"/>
+          </a:p>
+          <a:p>
+            <a:endParaRPr lang="en-US" baseline="0" dirty="0" smtClean="0"/>
+          </a:p>
+          <a:p>
+            <a:endParaRPr lang="en-US" baseline="0" dirty="0" smtClean="0"/>
+          </a:p>
+          <a:p>
+            <a:endParaRPr lang="en-US" dirty="0"/>
+          </a:p>
+        </p:txBody>
+      </p:sp>
+      <p:sp>
+        <p:nvSpPr>
+          <p:cNvPr id="4" name="Slide Number Placeholder 3"/>
+          <p:cNvSpPr>
+            <a:spLocks noGrp="1"/>
+          </p:cNvSpPr>
+          <p:nvPr>
+            <p:ph type="sldNum" sz="quarter" idx="10"/>
+          </p:nvPr>
+        </p:nvSpPr>
+        <p:spPr/>
+        <p:txBody>
+          <a:bodyPr/>
+          <a:lstStyle/>
+          <a:p>
+            <a:fld id="{64230B45-3CF3-4B46-9A93-25FE686B2A5E}" type="slidenum">
+              <a:rPr lang="en-US" smtClean="0"/>
+              <a:t>6</a:t>
+            </a:fld>
+            <a:endParaRPr lang="en-US"/>
+          </a:p>
+        </p:txBody>
+      </p:sp>
+    </p:spTree>
+    <p:extLst>
+      <p:ext uri="{BB962C8B-B14F-4D97-AF65-F5344CB8AC3E}">
+        <p14:creationId xmlns:p14="http://schemas.microsoft.com/office/powerpoint/2010/main" val="2696821676"/>
+      </p:ext>
+    </p:extLst>
+  </p:cSld>
+  <p:clrMapOvr>
+    <a:masterClrMapping/>
+  </p:clrMapOvr>
+</p:notes>
 </file>
 
 <file path=ppt/slideLayouts/slideLayout1.xml><?xml version="1.0" encoding="utf-8"?>
@@ -4311,6 +4788,173 @@
           <a:chExt cx="0" cy="0"/>
         </a:xfrm>
       </p:grpSpPr>
+      <p:sp>
+        <p:nvSpPr>
+          <p:cNvPr id="2" name="Title 1"/>
+          <p:cNvSpPr>
+            <a:spLocks noGrp="1"/>
+          </p:cNvSpPr>
+          <p:nvPr>
+            <p:ph type="title"/>
+          </p:nvPr>
+        </p:nvSpPr>
+        <p:spPr>
+          <a:xfrm>
+            <a:off x="609600" y="274638"/>
+            <a:ext cx="7924800" cy="791343"/>
+          </a:xfrm>
+        </p:spPr>
+        <p:txBody>
+          <a:bodyPr/>
+          <a:lstStyle/>
+          <a:p>
+            <a:pPr algn="ctr"/>
+            <a:r>
+              <a:rPr lang="en-US" dirty="0" err="1">
+                <a:solidFill>
+                  <a:srgbClr val="FF0000"/>
+                </a:solidFill>
+              </a:rPr>
+              <a:t>OpenCV</a:t>
+            </a:r>
+            <a:r>
+              <a:rPr lang="en-US" dirty="0">
+                <a:solidFill>
+                  <a:srgbClr val="FF0000"/>
+                </a:solidFill>
+              </a:rPr>
+              <a:t> </a:t>
+            </a:r>
+            <a:r>
+              <a:rPr lang="en-US" dirty="0" smtClean="0">
+                <a:solidFill>
+                  <a:srgbClr val="FF0000"/>
+                </a:solidFill>
+              </a:rPr>
+              <a:t>application Usage</a:t>
+            </a:r>
+            <a:endParaRPr lang="en-US" dirty="0">
+              <a:solidFill>
+                <a:srgbClr val="FF0000"/>
+              </a:solidFill>
+            </a:endParaRPr>
+          </a:p>
+        </p:txBody>
+      </p:sp>
+      <p:sp>
+        <p:nvSpPr>
+          <p:cNvPr id="3" name="Content Placeholder 2"/>
+          <p:cNvSpPr>
+            <a:spLocks noGrp="1"/>
+          </p:cNvSpPr>
+          <p:nvPr>
+            <p:ph sz="quarter" idx="13"/>
+          </p:nvPr>
+        </p:nvSpPr>
+        <p:spPr>
+          <a:xfrm>
+            <a:off x="609600" y="1315466"/>
+            <a:ext cx="7924800" cy="4399534"/>
+          </a:xfrm>
+        </p:spPr>
+        <p:txBody>
+          <a:bodyPr>
+            <a:normAutofit fontScale="92500" lnSpcReduction="10000"/>
+          </a:bodyPr>
+          <a:lstStyle/>
+          <a:p>
+            <a:endParaRPr lang="en-US" dirty="0" smtClean="0"/>
+          </a:p>
+          <a:p>
+            <a:r>
+              <a:rPr lang="en-US" sz="2400" dirty="0" err="1" smtClean="0"/>
+              <a:t>Egomotion</a:t>
+            </a:r>
+            <a:endParaRPr lang="en-US" sz="2400" dirty="0" smtClean="0"/>
+          </a:p>
+          <a:p>
+            <a:r>
+              <a:rPr lang="en-US" sz="2400" dirty="0" smtClean="0"/>
+              <a:t>Facial recognition system</a:t>
+            </a:r>
+          </a:p>
+          <a:p>
+            <a:r>
+              <a:rPr lang="en-US" sz="2400" dirty="0" smtClean="0"/>
+              <a:t>Gesture recognition </a:t>
+            </a:r>
+          </a:p>
+          <a:p>
+            <a:r>
+              <a:rPr lang="en-US" sz="2400" dirty="0" smtClean="0"/>
+              <a:t>Image segmentation</a:t>
+            </a:r>
+          </a:p>
+          <a:p>
+            <a:r>
+              <a:rPr lang="en-US" sz="2400" dirty="0" smtClean="0"/>
+              <a:t>Object Identification</a:t>
+            </a:r>
+          </a:p>
+          <a:p>
+            <a:r>
+              <a:rPr lang="en-US" sz="2400" dirty="0" smtClean="0"/>
+              <a:t>Stereopsis</a:t>
+            </a:r>
+          </a:p>
+          <a:p>
+            <a:r>
+              <a:rPr lang="en-US" sz="2400" dirty="0" smtClean="0"/>
+              <a:t>Structure from motion</a:t>
+            </a:r>
+          </a:p>
+          <a:p>
+            <a:r>
+              <a:rPr lang="en-US" sz="2400" dirty="0" smtClean="0"/>
+              <a:t>Motion tracking</a:t>
+            </a:r>
+          </a:p>
+          <a:p>
+            <a:r>
+              <a:rPr lang="en-US" sz="2400" dirty="0" smtClean="0"/>
+              <a:t>Augmented reality</a:t>
+            </a:r>
+          </a:p>
+          <a:p>
+            <a:endParaRPr lang="en-US" dirty="0"/>
+          </a:p>
+        </p:txBody>
+      </p:sp>
+    </p:spTree>
+    <p:extLst>
+      <p:ext uri="{BB962C8B-B14F-4D97-AF65-F5344CB8AC3E}">
+        <p14:creationId xmlns:p14="http://schemas.microsoft.com/office/powerpoint/2010/main" val="2540174563"/>
+      </p:ext>
+    </p:extLst>
+  </p:cSld>
+  <p:clrMapOvr>
+    <a:masterClrMapping/>
+  </p:clrMapOvr>
+</p:sld>
+</file>
+
+<file path=ppt/slides/slide7.xml><?xml version="1.0" encoding="utf-8"?>
+<p:sld xmlns:a="http://schemas.openxmlformats.org/drawingml/2006/main" xmlns:r="http://schemas.openxmlformats.org/officeDocument/2006/relationships" xmlns:p="http://schemas.openxmlformats.org/presentationml/2006/main">
+  <p:cSld>
+    <p:spTree>
+      <p:nvGrpSpPr>
+        <p:cNvPr id="1" name=""/>
+        <p:cNvGrpSpPr/>
+        <p:nvPr/>
+      </p:nvGrpSpPr>
+      <p:grpSpPr>
+        <a:xfrm>
+          <a:off x="0" y="0"/>
+          <a:ext cx="0" cy="0"/>
+          <a:chOff x="0" y="0"/>
+          <a:chExt cx="0" cy="0"/>
+        </a:xfrm>
+      </p:grpSpPr>
       <p:pic>
         <p:nvPicPr>
           <p:cNvPr id="3" name="Picture 2" descr="Screen Shot 2014-08-05 at 5.37.06 PM.png"/>
@@ -4470,7 +5114,7 @@
 </p:sld>
 </file>
 
-<file path=ppt/slides/slide7.xml><?xml version="1.0" encoding="utf-8"?>
+<file path=ppt/slides/slide8.xml><?xml version="1.0" encoding="utf-8"?>
 <p:sld xmlns:a="http://schemas.openxmlformats.org/drawingml/2006/main" xmlns:r="http://schemas.openxmlformats.org/officeDocument/2006/relationships" xmlns:p="http://schemas.openxmlformats.org/presentationml/2006/main">
   <p:cSld>
     <p:spTree>
@@ -4943,4 +5587,324 @@
   <a:objectDefaults/>
   <a:extraClrSchemeLst/>
 </a:theme>
+</file>
+
+<file path=ppt/theme/theme2.xml><?xml version="1.0" encoding="utf-8"?>
+<a:theme xmlns:a="http://schemas.openxmlformats.org/drawingml/2006/main" name="Office Theme">
+  <a:themeElements>
+    <a:clrScheme name="Office">
+      <a:dk1>
+        <a:sysClr val="windowText" lastClr="000000"/>
+      </a:dk1>
+      <a:lt1>
+        <a:sysClr val="window" lastClr="FFFFFF"/>
+      </a:lt1>
+      <a:dk2>
+        <a:srgbClr val="1F497D"/>
+      </a:dk2>
+      <a:lt2>
+        <a:srgbClr val="EEECE1"/>
+      </a:lt2>
+      <a:accent1>
+        <a:srgbClr val="4F81BD"/>
+      </a:accent1>
+      <a:accent2>
+        <a:srgbClr val="C0504D"/>
+      </a:accent2>
+      <a:accent3>
+        <a:srgbClr val="9BBB59"/>
+      </a:accent3>
+      <a:accent4>
+        <a:srgbClr val="8064A2"/>
+      </a:accent4>
+      <a:accent5>
+        <a:srgbClr val="4BACC6"/>
+      </a:accent5>
+      <a:accent6>
+        <a:srgbClr val="F79646"/>
+      </a:accent6>
+      <a:hlink>
+        <a:srgbClr val="0000FF"/>
+      </a:hlink>
+      <a:folHlink>
+        <a:srgbClr val="800080"/>
+      </a:folHlink>
+    </a:clrScheme>
+    <a:fontScheme name="Office">
+      <a:majorFont>
+        <a:latin typeface="Calibri"/>
+        <a:ea typeface=""/>
+        <a:cs typeface=""/>
+        <a:font script="Jpan" typeface="ＭＳ Ｐゴシック"/>
+        <a:font script="Hang" typeface="맑은 고딕"/>
+        <a:font script="Hans" typeface="宋体"/>
+        <a:font script="Hant" typeface="新細明體"/>
+        <a:font script="Arab" typeface="Times New Roman"/>
+        <a:font script="Hebr" typeface="Times New Roman"/>
+        <a:font script="Thai" typeface="Angsana New"/>
+        <a:font script="Ethi" typeface="Nyala"/>
+        <a:font script="Beng" typeface="Vrinda"/>
+        <a:font script="Gujr" typeface="Shruti"/>
+        <a:font script="Khmr" typeface="MoolBoran"/>
+        <a:font script="Knda" typeface="Tunga"/>
+        <a:font script="Guru" typeface="Raavi"/>
+        <a:font script="Cans" typeface="Euphemia"/>
+        <a:font script="Cher" typeface="Plantagenet Cherokee"/>
+        <a:font script="Yiii" typeface="Microsoft Yi Baiti"/>
+        <a:font script="Tibt" typeface="Microsoft Himalaya"/>
+        <a:font script="Thaa" typeface="MV Boli"/>
+        <a:font script="Deva" typeface="Mangal"/>
+        <a:font script="Telu" typeface="Gautami"/>
+        <a:font script="Taml" typeface="Latha"/>
+        <a:font script="Syrc" typeface="Estrangelo Edessa"/>
+        <a:font script="Orya" typeface="Kalinga"/>
+        <a:font script="Mlym" typeface="Kartika"/>
+        <a:font script="Laoo" typeface="DokChampa"/>
+        <a:font script="Sinh" typeface="Iskoola Pota"/>
+        <a:font script="Mong" typeface="Mongolian Baiti"/>
+        <a:font script="Viet" typeface="Times New Roman"/>
+        <a:font script="Uigh" typeface="Microsoft Uighur"/>
+        <a:font script="Geor" typeface="Sylfaen"/>
+      </a:majorFont>
+      <a:minorFont>
+        <a:latin typeface="Calibri"/>
+        <a:ea typeface=""/>
+        <a:cs typeface=""/>
+        <a:font script="Jpan" typeface="ＭＳ Ｐゴシック"/>
+        <a:font script="Hang" typeface="맑은 고딕"/>
+        <a:font script="Hans" typeface="宋体"/>
+        <a:font script="Hant" typeface="新細明體"/>
+        <a:font script="Arab" typeface="Arial"/>
+        <a:font script="Hebr" typeface="Arial"/>
+        <a:font script="Thai" typeface="Cordia New"/>
+        <a:font script="Ethi" typeface="Nyala"/>
+        <a:font script="Beng" typeface="Vrinda"/>
+        <a:font script="Gujr" typeface="Shruti"/>
+        <a:font script="Khmr" typeface="DaunPenh"/>
+        <a:font script="Knda" typeface="Tunga"/>
+        <a:font script="Guru" typeface="Raavi"/>
+        <a:font script="Cans" typeface="Euphemia"/>
+        <a:font script="Cher" typeface="Plantagenet Cherokee"/>
+        <a:font script="Yiii" typeface="Microsoft Yi Baiti"/>
+        <a:font script="Tibt" typeface="Microsoft Himalaya"/>
+        <a:font script="Thaa" typeface="MV Boli"/>
+        <a:font script="Deva" typeface="Mangal"/>
+        <a:font script="Telu" typeface="Gautami"/>
+        <a:font script="Taml" typeface="Latha"/>
+        <a:font script="Syrc" typeface="Estrangelo Edessa"/>
+        <a:font script="Orya" typeface="Kalinga"/>
+        <a:font script="Mlym" typeface="Kartika"/>
+        <a:font script="Laoo" typeface="DokChampa"/>
+        <a:font script="Sinh" typeface="Iskoola Pota"/>
+        <a:font script="Mong" typeface="Mongolian Baiti"/>
+        <a:font script="Viet" typeface="Arial"/>
+        <a:font script="Uigh" typeface="Microsoft Uighur"/>
+        <a:font script="Geor" typeface="Sylfaen"/>
+      </a:minorFont>
+    </a:fontScheme>
+    <a:fmtScheme name="Office">
+      <a:fillStyleLst>
+        <a:solidFill>
+          <a:schemeClr val="phClr"/>
+        </a:solidFill>
+        <a:gradFill rotWithShape="1">
+          <a:gsLst>
+            <a:gs pos="0">
+              <a:schemeClr val="phClr">
+                <a:tint val="50000"/>
+                <a:satMod val="300000"/>
+              </a:schemeClr>
+            </a:gs>
+            <a:gs pos="35000">
+              <a:schemeClr val="phClr">
+                <a:tint val="37000"/>
+                <a:satMod val="300000"/>
+              </a:schemeClr>
+            </a:gs>
+            <a:gs pos="100000">
+              <a:schemeClr val="phClr">
+                <a:tint val="15000"/>
+                <a:satMod val="350000"/>
+              </a:schemeClr>
+            </a:gs>
+          </a:gsLst>
+          <a:lin ang="16200000" scaled="1"/>
+        </a:gradFill>
+        <a:gradFill rotWithShape="1">
+          <a:gsLst>
+            <a:gs pos="0">
+              <a:schemeClr val="phClr">
+                <a:tint val="100000"/>
+                <a:shade val="100000"/>
+                <a:satMod val="130000"/>
+              </a:schemeClr>
+            </a:gs>
+            <a:gs pos="100000">
+              <a:schemeClr val="phClr">
+                <a:tint val="50000"/>
+                <a:shade val="100000"/>
+                <a:satMod val="350000"/>
+              </a:schemeClr>
+            </a:gs>
+          </a:gsLst>
+          <a:lin ang="16200000" scaled="0"/>
+        </a:gradFill>
+      </a:fillStyleLst>
+      <a:lnStyleLst>
+        <a:ln w="9525" cap="flat" cmpd="sng" algn="ctr">
+          <a:solidFill>
+            <a:schemeClr val="phClr">
+              <a:shade val="95000"/>
+              <a:satMod val="105000"/>
+            </a:schemeClr>
+          </a:solidFill>
+          <a:prstDash val="solid"/>
+        </a:ln>
+        <a:ln w="25400" cap="flat" cmpd="sng" algn="ctr">
+          <a:solidFill>
+            <a:schemeClr val="phClr"/>
+          </a:solidFill>
+          <a:prstDash val="solid"/>
+        </a:ln>
+        <a:ln w="38100" cap="flat" cmpd="sng" algn="ctr">
+          <a:solidFill>
+            <a:schemeClr val="phClr"/>
+          </a:solidFill>
+          <a:prstDash val="solid"/>
+        </a:ln>
+      </a:lnStyleLst>
+      <a:effectStyleLst>
+        <a:effectStyle>
+          <a:effectLst>
+            <a:outerShdw blurRad="40000" dist="20000" dir="5400000" rotWithShape="0">
+              <a:srgbClr val="000000">
+                <a:alpha val="38000"/>
+              </a:srgbClr>
+            </a:outerShdw>
+          </a:effectLst>
+        </a:effectStyle>
+        <a:effectStyle>
+          <a:effectLst>
+            <a:outerShdw blurRad="40000" dist="23000" dir="5400000" rotWithShape="0">
+              <a:srgbClr val="000000">
+                <a:alpha val="35000"/>
+              </a:srgbClr>
+            </a:outerShdw>
+          </a:effectLst>
+        </a:effectStyle>
+        <a:effectStyle>
+          <a:effectLst>
+            <a:outerShdw blurRad="40000" dist="23000" dir="5400000" rotWithShape="0">
+              <a:srgbClr val="000000">
+                <a:alpha val="35000"/>
+              </a:srgbClr>
+            </a:outerShdw>
+          </a:effectLst>
+          <a:scene3d>
+            <a:camera prst="orthographicFront">
+              <a:rot lat="0" lon="0" rev="0"/>
+            </a:camera>
+            <a:lightRig rig="threePt" dir="t">
+              <a:rot lat="0" lon="0" rev="1200000"/>
+            </a:lightRig>
+          </a:scene3d>
+          <a:sp3d>
+            <a:bevelT w="63500" h="25400"/>
+          </a:sp3d>
+        </a:effectStyle>
+      </a:effectStyleLst>
+      <a:bgFillStyleLst>
+        <a:solidFill>
+          <a:schemeClr val="phClr"/>
+        </a:solidFill>
+        <a:gradFill rotWithShape="1">
+          <a:gsLst>
+            <a:gs pos="0">
+              <a:schemeClr val="phClr">
+                <a:tint val="40000"/>
+                <a:satMod val="350000"/>
+              </a:schemeClr>
+            </a:gs>
+            <a:gs pos="40000">
+              <a:schemeClr val="phClr">
+                <a:tint val="45000"/>
+                <a:shade val="99000"/>
+                <a:satMod val="350000"/>
+              </a:schemeClr>
+            </a:gs>
+            <a:gs pos="100000">
+              <a:schemeClr val="phClr">
+                <a:shade val="20000"/>
+                <a:satMod val="255000"/>
+              </a:schemeClr>
+            </a:gs>
+          </a:gsLst>
+          <a:path path="circle">
+            <a:fillToRect l="50000" t="-80000" r="50000" b="180000"/>
+          </a:path>
+        </a:gradFill>
+        <a:gradFill rotWithShape="1">
+          <a:gsLst>
+            <a:gs pos="0">
+              <a:schemeClr val="phClr">
+                <a:tint val="80000"/>
+                <a:satMod val="300000"/>
+              </a:schemeClr>
+            </a:gs>
+            <a:gs pos="100000">
+              <a:schemeClr val="phClr">
+                <a:shade val="30000"/>
+                <a:satMod val="200000"/>
+              </a:schemeClr>
+            </a:gs>
+          </a:gsLst>
+          <a:path path="circle">
+            <a:fillToRect l="50000" t="50000" r="50000" b="50000"/>
+          </a:path>
+        </a:gradFill>
+      </a:bgFillStyleLst>
+    </a:fmtScheme>
+  </a:themeElements>
+  <a:objectDefaults>
+    <a:spDef>
+      <a:spPr/>
+      <a:bodyPr/>
+      <a:lstStyle/>
+      <a:style>
+        <a:lnRef idx="1">
+          <a:schemeClr val="accent1"/>
+        </a:lnRef>
+        <a:fillRef idx="3">
+          <a:schemeClr val="accent1"/>
+        </a:fillRef>
+        <a:effectRef idx="2">
+          <a:schemeClr val="accent1"/>
+        </a:effectRef>
+        <a:fontRef idx="minor">
+          <a:schemeClr val="lt1"/>
+        </a:fontRef>
+      </a:style>
+    </a:spDef>
+    <a:lnDef>
+      <a:spPr/>
+      <a:bodyPr/>
+      <a:lstStyle/>
+      <a:style>
+        <a:lnRef idx="2">
+          <a:schemeClr val="accent1"/>
+        </a:lnRef>
+        <a:fillRef idx="0">
+          <a:schemeClr val="accent1"/>
+        </a:fillRef>
+        <a:effectRef idx="1">
+          <a:schemeClr val="accent1"/>
+        </a:effectRef>
+        <a:fontRef idx="minor">
+          <a:schemeClr val="tx1"/>
+        </a:fontRef>
+      </a:style>
+    </a:lnDef>
+  </a:objectDefaults>
+  <a:extraClrSchemeLst/>
+</a:theme>
 </file>
--- a/Final/Final-Presentation.pptx
+++ b/Final/Final-Presentation.pptx
@@ -511,13 +511,51 @@
           <a:bodyPr/>
           <a:lstStyle/>
           <a:p>
+            <a:pPr marL="0" marR="0" indent="0" algn="l" defTabSz="457200" rtl="0" eaLnBrk="1" fontAlgn="auto" latinLnBrk="0" hangingPunct="1">
+              <a:lnSpc>
+                <a:spcPct val="100000"/>
+              </a:lnSpc>
+              <a:spcBef>
+                <a:spcPts val="0"/>
+              </a:spcBef>
+              <a:spcAft>
+                <a:spcPts val="0"/>
+              </a:spcAft>
+              <a:buClrTx/>
+              <a:buSzTx/>
+              <a:buFontTx/>
+              <a:buNone/>
+              <a:tabLst/>
+              <a:defRPr/>
+            </a:pPr>
+            <a:r>
+              <a:rPr lang="en-US" sz="1800" b="1" baseline="0" dirty="0" smtClean="0"/>
+              <a:t>A facial recognition system: </a:t>
+            </a:r>
+            <a:r>
+              <a:rPr lang="en-US" sz="1800" baseline="0" dirty="0" smtClean="0"/>
+              <a:t>is a computer application for automatically identifying or verifying a person from a digital image or a video frame from a video source. One of the ways to do this is by comparing selected facial features from the image and a facial database. It is typically used in security systems and can be compared to other biometrics such as fingerprint or eye iris recognition systems.</a:t>
+            </a:r>
+          </a:p>
+          <a:p>
+            <a:endParaRPr lang="en-US" sz="1800" b="1" dirty="0" smtClean="0"/>
+          </a:p>
+          <a:p>
             <a:r>
               <a:rPr lang="en-US" sz="1800" b="1" dirty="0" err="1" smtClean="0"/>
               <a:t>Egomotion</a:t>
             </a:r>
             <a:r>
+              <a:rPr lang="en-US" sz="1800" b="1" dirty="0" smtClean="0"/>
+              <a:t>:</a:t>
+            </a:r>
+            <a:r>
               <a:rPr lang="en-US" sz="1800" dirty="0" smtClean="0"/>
-              <a:t> is</a:t>
+              <a:t> </a:t>
+            </a:r>
+            <a:r>
+              <a:rPr lang="en-US" sz="1800" dirty="0" smtClean="0"/>
+              <a:t>is</a:t>
             </a:r>
             <a:r>
               <a:rPr lang="en-US" sz="1800" baseline="0" dirty="0" smtClean="0"/>
@@ -537,17 +575,102 @@
             </a:r>
             <a:r>
               <a:rPr lang="en-US" sz="1800" baseline="0" dirty="0" smtClean="0"/>
-              <a:t> would be estimating a car’s moving position relative to lines on the road or street signs being observed from the car itself.</a:t>
-            </a:r>
-          </a:p>
-          <a:p>
+              <a:t> would be estimating a car’s moving position relative to lines on the road or street signs being observed from the car itself</a:t>
+            </a:r>
+            <a:r>
+              <a:rPr lang="en-US" sz="1800" baseline="0" dirty="0" smtClean="0"/>
+              <a:t>.</a:t>
+            </a:r>
             <a:endParaRPr lang="en-US" sz="1600" baseline="0" dirty="0" smtClean="0"/>
           </a:p>
           <a:p>
-            <a:endParaRPr lang="en-US" baseline="0" dirty="0" smtClean="0"/>
-          </a:p>
-          <a:p>
-            <a:endParaRPr lang="en-US" baseline="0" dirty="0" smtClean="0"/>
+            <a:endParaRPr lang="en-US" dirty="0" smtClean="0"/>
+          </a:p>
+          <a:p>
+            <a:r>
+              <a:rPr lang="en-US" b="1" dirty="0" smtClean="0"/>
+              <a:t>Gesture recognition: </a:t>
+            </a:r>
+            <a:r>
+              <a:rPr lang="en-US" dirty="0" smtClean="0"/>
+              <a:t>is a topic in computer science and language technology with the goal of interpreting human gestures via mathematical algorithms. Gestures can originate from any bodily motion or state but commonly originate from the face or hand. Current focuses in the field include emotion recognition from the face and hand gesture recognition.</a:t>
+            </a:r>
+          </a:p>
+          <a:p>
+            <a:endParaRPr lang="en-US" dirty="0" smtClean="0"/>
+          </a:p>
+          <a:p>
+            <a:r>
+              <a:rPr lang="en-US" b="1" dirty="0" smtClean="0"/>
+              <a:t>A mobile robot </a:t>
+            </a:r>
+            <a:r>
+              <a:rPr lang="en-US" dirty="0" smtClean="0"/>
+              <a:t>is an automatic machine that is capable of locomotion.</a:t>
+            </a:r>
+            <a:r>
+              <a:rPr lang="en-US" baseline="0" dirty="0" smtClean="0"/>
+              <a:t> </a:t>
+            </a:r>
+            <a:r>
+              <a:rPr lang="en-US" dirty="0" smtClean="0"/>
+              <a:t>A spying robot is an example of a mobile robot capable of movement in a given environment.</a:t>
+            </a:r>
+            <a:r>
+              <a:rPr lang="en-US" baseline="0" dirty="0" smtClean="0"/>
+              <a:t> </a:t>
+            </a:r>
+            <a:r>
+              <a:rPr lang="en-US" dirty="0" smtClean="0"/>
+              <a:t>Mobile robots have the capability to move around in their environment and are not fixed to one physical location. By contrast, industrial robots are usually more-or-less stationary, consisting of a jointed arm (multi-linked manipulator) and gripper assembly (or end effector), attached to a fixed surface.</a:t>
+            </a:r>
+          </a:p>
+          <a:p>
+            <a:endParaRPr lang="en-US" dirty="0" smtClean="0"/>
+          </a:p>
+          <a:p>
+            <a:r>
+              <a:rPr lang="en-US" b="1" dirty="0" smtClean="0"/>
+              <a:t>Object recognition </a:t>
+            </a:r>
+            <a:r>
+              <a:rPr lang="en-US" b="0" dirty="0" smtClean="0"/>
+              <a:t>enables</a:t>
+            </a:r>
+            <a:r>
+              <a:rPr lang="en-US" b="0" baseline="0" dirty="0" smtClean="0"/>
+              <a:t> programs to recognize different type of object within an image or streaming video.</a:t>
+            </a:r>
+          </a:p>
+          <a:p>
+            <a:endParaRPr lang="en-US" b="0" baseline="0" dirty="0" smtClean="0"/>
+          </a:p>
+          <a:p>
+            <a:r>
+              <a:rPr lang="en-US" b="1" baseline="0" dirty="0" smtClean="0"/>
+              <a:t>Motion / Video </a:t>
+            </a:r>
+            <a:r>
+              <a:rPr lang="en-US" b="0" baseline="0" dirty="0" smtClean="0"/>
+              <a:t>tracking is the process of locating a moving object (or multiple objects) over time using a camera. It has a variety of uses, some of which are: human-computer interaction, security and surveillance, video communication and compression, augmented reality, traffic control, medical imaging[1] and video editing.[2][3] Video tracking can be a time consuming process due to the amount of data that is contained in video. Adding further to the complexity is the possible need to use object recognition techniques for tracking, a challenging problem in its own right.</a:t>
+            </a:r>
+          </a:p>
+          <a:p>
+            <a:endParaRPr lang="en-US" b="0" baseline="0" dirty="0" smtClean="0"/>
+          </a:p>
+          <a:p>
+            <a:r>
+              <a:rPr lang="en-US" sz="1200" b="1" dirty="0" smtClean="0"/>
+              <a:t>Statistical machine learning </a:t>
+            </a:r>
+            <a:r>
+              <a:rPr lang="en-US" b="0" baseline="0" dirty="0" smtClean="0"/>
+              <a:t>is a subfield of computer science (CS) and artificial intelligence (AI) that deals with the construction and study of systems that can learn from data, rather than follow only explicitly programmed instructions. Besides CS and AI, it has strong ties to statistics and optimization, which deliver both methods and theory to the field. Machine learning is employed in a range of computing tasks where designing and programming explicit rule-based algorithms is infeasible for a variety of reasons. Example applications include spam filtering, optical character recognition (OCR), search engines and computer vision. Machine learning is sometimes conflated with, and sometimes distinguished from data mining and pattern recognition.</a:t>
+            </a:r>
+            <a:endParaRPr lang="en-US" b="1" dirty="0" smtClean="0"/>
+          </a:p>
+          <a:p>
+            <a:endParaRPr lang="en-US" dirty="0" smtClean="0"/>
           </a:p>
           <a:p>
             <a:endParaRPr lang="en-US" dirty="0"/>
@@ -4859,7 +4982,7 @@
         </p:spPr>
         <p:txBody>
           <a:bodyPr>
-            <a:normAutofit fontScale="92500" lnSpcReduction="10000"/>
+            <a:normAutofit/>
           </a:bodyPr>
           <a:lstStyle/>
           <a:p>
@@ -4867,58 +4990,152 @@
           </a:p>
           <a:p>
             <a:r>
+              <a:rPr lang="en-US" sz="2400" dirty="0"/>
+              <a:t>Facial recognition </a:t>
+            </a:r>
+            <a:r>
+              <a:rPr lang="en-US" sz="2400" dirty="0" smtClean="0"/>
+              <a:t>system</a:t>
+            </a:r>
+            <a:endParaRPr lang="en-US" sz="2400" dirty="0" smtClean="0"/>
+          </a:p>
+          <a:p>
+            <a:r>
               <a:rPr lang="en-US" sz="2400" dirty="0" err="1" smtClean="0"/>
               <a:t>Egomotion</a:t>
             </a:r>
+            <a:r>
+              <a:rPr lang="en-US" sz="2400" dirty="0" smtClean="0"/>
+              <a:t> - </a:t>
+            </a:r>
+            <a:r>
+              <a:rPr lang="en-US" sz="2000" dirty="0" smtClean="0">
+                <a:solidFill>
+                  <a:schemeClr val="tx1">
+                    <a:lumMod val="75000"/>
+                  </a:schemeClr>
+                </a:solidFill>
+              </a:rPr>
+              <a:t>defined as 3D motion of a camera</a:t>
+            </a:r>
+            <a:endParaRPr lang="en-US" sz="2400" dirty="0" smtClean="0">
+              <a:solidFill>
+                <a:schemeClr val="tx1">
+                  <a:lumMod val="75000"/>
+                </a:schemeClr>
+              </a:solidFill>
+            </a:endParaRPr>
+          </a:p>
+          <a:p>
+            <a:r>
+              <a:rPr lang="en-US" sz="2400" dirty="0" smtClean="0"/>
+              <a:t>Gesture recognition - </a:t>
+            </a:r>
+            <a:r>
+              <a:rPr lang="en-US" sz="2000" dirty="0" smtClean="0">
+                <a:solidFill>
+                  <a:srgbClr val="BFBFBF"/>
+                </a:solidFill>
+              </a:rPr>
+              <a:t>interpreting </a:t>
+            </a:r>
+            <a:r>
+              <a:rPr lang="en-US" sz="2000" dirty="0">
+                <a:solidFill>
+                  <a:srgbClr val="BFBFBF"/>
+                </a:solidFill>
+              </a:rPr>
+              <a:t>human gestures </a:t>
+            </a:r>
+            <a:endParaRPr lang="en-US" sz="2000" dirty="0" smtClean="0">
+              <a:solidFill>
+                <a:srgbClr val="BFBFBF"/>
+              </a:solidFill>
+            </a:endParaRPr>
+          </a:p>
+          <a:p>
+            <a:r>
+              <a:rPr lang="en-US" sz="2400" dirty="0" smtClean="0"/>
+              <a:t>Mobile Robots – </a:t>
+            </a:r>
+            <a:r>
+              <a:rPr lang="en-US" sz="2000" dirty="0" smtClean="0">
+                <a:solidFill>
+                  <a:srgbClr val="BFBFBF"/>
+                </a:solidFill>
+              </a:rPr>
+              <a:t>automatic machine capable of locomotion</a:t>
+            </a:r>
+            <a:endParaRPr lang="en-US" sz="2400" dirty="0" smtClean="0">
+              <a:solidFill>
+                <a:srgbClr val="BFBFBF"/>
+              </a:solidFill>
+            </a:endParaRPr>
+          </a:p>
+          <a:p>
+            <a:r>
+              <a:rPr lang="en-US" sz="2400" dirty="0" smtClean="0"/>
+              <a:t>Object </a:t>
+            </a:r>
+            <a:r>
+              <a:rPr lang="en-US" sz="2400" dirty="0" smtClean="0"/>
+              <a:t>Identification – </a:t>
+            </a:r>
+            <a:r>
+              <a:rPr lang="en-US" sz="2000" dirty="0" smtClean="0">
+                <a:solidFill>
+                  <a:srgbClr val="BFBFBF"/>
+                </a:solidFill>
+              </a:rPr>
+              <a:t>recognize different type of objects</a:t>
+            </a:r>
             <a:endParaRPr lang="en-US" sz="2400" dirty="0" smtClean="0"/>
           </a:p>
           <a:p>
             <a:r>
               <a:rPr lang="en-US" sz="2400" dirty="0" smtClean="0"/>
-              <a:t>Facial recognition system</a:t>
-            </a:r>
+              <a:t>Motion / Video tracking - </a:t>
+            </a:r>
+            <a:r>
+              <a:rPr lang="en-US" sz="2000" dirty="0">
+                <a:solidFill>
+                  <a:srgbClr val="BFBFBF"/>
+                </a:solidFill>
+              </a:rPr>
+              <a:t>process of locating a moving object </a:t>
+            </a:r>
+            <a:endParaRPr lang="en-US" sz="2000" dirty="0" smtClean="0">
+              <a:solidFill>
+                <a:srgbClr val="BFBFBF"/>
+              </a:solidFill>
+            </a:endParaRPr>
           </a:p>
           <a:p>
             <a:r>
               <a:rPr lang="en-US" sz="2400" dirty="0" smtClean="0"/>
-              <a:t>Gesture recognition </a:t>
-            </a:r>
-          </a:p>
-          <a:p>
+              <a:t>Statistical </a:t>
+            </a:r>
+            <a:r>
+              <a:rPr lang="en-US" sz="2400" dirty="0"/>
+              <a:t>machine </a:t>
+            </a:r>
             <a:r>
               <a:rPr lang="en-US" sz="2400" dirty="0" smtClean="0"/>
-              <a:t>Image segmentation</a:t>
-            </a:r>
-          </a:p>
-          <a:p>
-            <a:r>
-              <a:rPr lang="en-US" sz="2400" dirty="0" smtClean="0"/>
-              <a:t>Object Identification</a:t>
-            </a:r>
-          </a:p>
-          <a:p>
-            <a:r>
-              <a:rPr lang="en-US" sz="2400" dirty="0" smtClean="0"/>
-              <a:t>Stereopsis</a:t>
-            </a:r>
-          </a:p>
-          <a:p>
-            <a:r>
-              <a:rPr lang="en-US" sz="2400" dirty="0" smtClean="0"/>
-              <a:t>Structure from motion</a:t>
-            </a:r>
-          </a:p>
-          <a:p>
-            <a:r>
-              <a:rPr lang="en-US" sz="2400" dirty="0" smtClean="0"/>
-              <a:t>Motion tracking</a:t>
-            </a:r>
-          </a:p>
-          <a:p>
-            <a:r>
-              <a:rPr lang="en-US" sz="2400" dirty="0" smtClean="0"/>
-              <a:t>Augmented reality</a:t>
-            </a:r>
+              <a:t>learning - </a:t>
+            </a:r>
+            <a:r>
+              <a:rPr lang="en-US" sz="2000" dirty="0">
+                <a:solidFill>
+                  <a:srgbClr val="BFBFBF"/>
+                </a:solidFill>
+              </a:rPr>
+              <a:t>artificial intelligence </a:t>
+            </a:r>
+            <a:endParaRPr lang="en-US" sz="2000" dirty="0" smtClean="0">
+              <a:solidFill>
+                <a:srgbClr val="BFBFBF"/>
+              </a:solidFill>
+            </a:endParaRPr>
           </a:p>
           <a:p>
             <a:endParaRPr lang="en-US" dirty="0"/>
@@ -5077,27 +5294,15 @@
             </a:lvl9pPr>
           </a:lstStyle>
           <a:p>
-            <a:r>
-              <a:rPr lang="en-US" dirty="0" smtClean="0">
+            <a:pPr algn="ctr"/>
+            <a:r>
+              <a:rPr lang="en-US" sz="3200" dirty="0">
                 <a:solidFill>
                   <a:srgbClr val="FF0000"/>
                 </a:solidFill>
               </a:rPr>
-              <a:t>Face detection using </a:t>
-            </a:r>
-            <a:r>
-              <a:rPr lang="en-US" dirty="0" err="1" smtClean="0">
-                <a:solidFill>
-                  <a:srgbClr val="FF0000"/>
-                </a:solidFill>
-              </a:rPr>
-              <a:t>opencv</a:t>
-            </a:r>
-            <a:endParaRPr lang="en-US" dirty="0">
-              <a:solidFill>
-                <a:srgbClr val="FF0000"/>
-              </a:solidFill>
-            </a:endParaRPr>
+              <a:t>Facial recognition system</a:t>
+            </a:r>
           </a:p>
         </p:txBody>
       </p:sp>
@@ -5146,6 +5351,7 @@
           <a:bodyPr/>
           <a:lstStyle/>
           <a:p>
+            <a:pPr algn="ctr"/>
             <a:r>
               <a:rPr lang="en-US" dirty="0" smtClean="0">
                 <a:solidFill>
@@ -5193,10 +5399,12 @@
               <a:t> – </a:t>
             </a:r>
             <a:r>
-              <a:rPr lang="en-US" sz="2400" dirty="0" err="1" smtClean="0"/>
+              <a:rPr lang="en-US" sz="2400" dirty="0" smtClean="0">
+                <a:hlinkClick r:id="rId2"/>
+              </a:rPr>
               <a:t>www.opencv.org</a:t>
             </a:r>
-            <a:endParaRPr lang="en-US" sz="2400" dirty="0" smtClean="0"/>
+            <a:endParaRPr lang="en-US" sz="2400" dirty="0"/>
           </a:p>
           <a:p>
             <a:pPr>
@@ -5204,12 +5412,16 @@
               <a:buAutoNum type="arabicPeriod"/>
             </a:pPr>
             <a:r>
-              <a:rPr lang="en-US" sz="2400" dirty="0" err="1" smtClean="0"/>
+              <a:rPr lang="en-US" sz="2400" smtClean="0"/>
               <a:t>OpenCV</a:t>
             </a:r>
             <a:r>
               <a:rPr lang="en-US" sz="2400" dirty="0" smtClean="0"/>
-              <a:t> – Wikipedia, </a:t>
+              <a:t> </a:t>
+            </a:r>
+            <a:r>
+              <a:rPr lang="en-US" sz="2400" dirty="0" smtClean="0"/>
+              <a:t>– Wikipedia, </a:t>
             </a:r>
             <a:r>
               <a:rPr lang="en-US" sz="2400" dirty="0" err="1" smtClean="0"/>
